--- a/OneOf_Praesentation.pptx
+++ b/OneOf_Praesentation.pptx
@@ -5,17 +5,22 @@
     <p:sldMasterId id="2147483648" r:id="rId1"/>
   </p:sldMasterIdLst>
   <p:notesMasterIdLst>
-    <p:notesMasterId r:id="rId10"/>
+    <p:notesMasterId r:id="rId15"/>
   </p:notesMasterIdLst>
   <p:sldIdLst>
     <p:sldId id="256" r:id="rId2"/>
     <p:sldId id="257" r:id="rId3"/>
     <p:sldId id="262" r:id="rId4"/>
     <p:sldId id="259" r:id="rId5"/>
-    <p:sldId id="258" r:id="rId6"/>
-    <p:sldId id="261" r:id="rId7"/>
-    <p:sldId id="263" r:id="rId8"/>
-    <p:sldId id="260" r:id="rId9"/>
+    <p:sldId id="267" r:id="rId6"/>
+    <p:sldId id="258" r:id="rId7"/>
+    <p:sldId id="264" r:id="rId8"/>
+    <p:sldId id="265" r:id="rId9"/>
+    <p:sldId id="266" r:id="rId10"/>
+    <p:sldId id="261" r:id="rId11"/>
+    <p:sldId id="263" r:id="rId12"/>
+    <p:sldId id="260" r:id="rId13"/>
+    <p:sldId id="268" r:id="rId14"/>
   </p:sldIdLst>
   <p:sldSz cx="12192000" cy="6858000"/>
   <p:notesSz cx="6858000" cy="9144000"/>
@@ -114,6 +119,11 @@
       </a:defRPr>
     </a:lvl9pPr>
   </p:defaultTextStyle>
+  <p:extLst>
+    <p:ext uri="{EFAFB233-063F-42B5-8137-9DF3F51BA10A}">
+      <p15:sldGuideLst xmlns:p15="http://schemas.microsoft.com/office/powerpoint/2012/main"/>
+    </p:ext>
+  </p:extLst>
 </p:presentation>
 </file>
 
@@ -199,7 +209,7 @@
           <a:p>
             <a:fld id="{B886C0B6-172E-7241-A6C5-2494D8EB13E2}" type="datetimeFigureOut">
               <a:rPr lang="de-DE" smtClean="0"/>
-              <a:t>29.04.25</a:t>
+              <a:t>12.05.25</a:t>
             </a:fld>
             <a:endParaRPr lang="de-DE"/>
           </a:p>
@@ -615,7 +625,7 @@
           <a:p>
             <a:fld id="{DE686734-BD99-BD46-AAF3-8032BD28E2CE}" type="slidenum">
               <a:rPr lang="de-DE" smtClean="0"/>
-              <a:t>5</a:t>
+              <a:t>6</a:t>
             </a:fld>
             <a:endParaRPr lang="de-DE"/>
           </a:p>
@@ -699,7 +709,7 @@
           <a:p>
             <a:fld id="{DE686734-BD99-BD46-AAF3-8032BD28E2CE}" type="slidenum">
               <a:rPr lang="de-DE" smtClean="0"/>
-              <a:t>6</a:t>
+              <a:t>10</a:t>
             </a:fld>
             <a:endParaRPr lang="de-DE"/>
           </a:p>
@@ -783,7 +793,7 @@
           <a:p>
             <a:fld id="{DE686734-BD99-BD46-AAF3-8032BD28E2CE}" type="slidenum">
               <a:rPr lang="de-DE" smtClean="0"/>
-              <a:t>8</a:t>
+              <a:t>12</a:t>
             </a:fld>
             <a:endParaRPr lang="de-DE"/>
           </a:p>
@@ -949,7 +959,7 @@
           <a:p>
             <a:fld id="{1CF6C793-7B5A-CC48-B778-7ED7ECF0401F}" type="datetimeFigureOut">
               <a:rPr lang="de-DE" smtClean="0"/>
-              <a:t>29.04.25</a:t>
+              <a:t>12.05.25</a:t>
             </a:fld>
             <a:endParaRPr lang="de-DE"/>
           </a:p>
@@ -1147,7 +1157,7 @@
           <a:p>
             <a:fld id="{1CF6C793-7B5A-CC48-B778-7ED7ECF0401F}" type="datetimeFigureOut">
               <a:rPr lang="de-DE" smtClean="0"/>
-              <a:t>29.04.25</a:t>
+              <a:t>12.05.25</a:t>
             </a:fld>
             <a:endParaRPr lang="de-DE"/>
           </a:p>
@@ -1355,7 +1365,7 @@
           <a:p>
             <a:fld id="{1CF6C793-7B5A-CC48-B778-7ED7ECF0401F}" type="datetimeFigureOut">
               <a:rPr lang="de-DE" smtClean="0"/>
-              <a:t>29.04.25</a:t>
+              <a:t>12.05.25</a:t>
             </a:fld>
             <a:endParaRPr lang="de-DE"/>
           </a:p>
@@ -1553,7 +1563,7 @@
           <a:p>
             <a:fld id="{1CF6C793-7B5A-CC48-B778-7ED7ECF0401F}" type="datetimeFigureOut">
               <a:rPr lang="de-DE" smtClean="0"/>
-              <a:t>29.04.25</a:t>
+              <a:t>12.05.25</a:t>
             </a:fld>
             <a:endParaRPr lang="de-DE"/>
           </a:p>
@@ -1828,7 +1838,7 @@
           <a:p>
             <a:fld id="{1CF6C793-7B5A-CC48-B778-7ED7ECF0401F}" type="datetimeFigureOut">
               <a:rPr lang="de-DE" smtClean="0"/>
-              <a:t>29.04.25</a:t>
+              <a:t>12.05.25</a:t>
             </a:fld>
             <a:endParaRPr lang="de-DE"/>
           </a:p>
@@ -2093,7 +2103,7 @@
           <a:p>
             <a:fld id="{1CF6C793-7B5A-CC48-B778-7ED7ECF0401F}" type="datetimeFigureOut">
               <a:rPr lang="de-DE" smtClean="0"/>
-              <a:t>29.04.25</a:t>
+              <a:t>12.05.25</a:t>
             </a:fld>
             <a:endParaRPr lang="de-DE"/>
           </a:p>
@@ -2505,7 +2515,7 @@
           <a:p>
             <a:fld id="{1CF6C793-7B5A-CC48-B778-7ED7ECF0401F}" type="datetimeFigureOut">
               <a:rPr lang="de-DE" smtClean="0"/>
-              <a:t>29.04.25</a:t>
+              <a:t>12.05.25</a:t>
             </a:fld>
             <a:endParaRPr lang="de-DE"/>
           </a:p>
@@ -2646,7 +2656,7 @@
           <a:p>
             <a:fld id="{1CF6C793-7B5A-CC48-B778-7ED7ECF0401F}" type="datetimeFigureOut">
               <a:rPr lang="de-DE" smtClean="0"/>
-              <a:t>29.04.25</a:t>
+              <a:t>12.05.25</a:t>
             </a:fld>
             <a:endParaRPr lang="de-DE"/>
           </a:p>
@@ -2759,7 +2769,7 @@
           <a:p>
             <a:fld id="{1CF6C793-7B5A-CC48-B778-7ED7ECF0401F}" type="datetimeFigureOut">
               <a:rPr lang="de-DE" smtClean="0"/>
-              <a:t>29.04.25</a:t>
+              <a:t>12.05.25</a:t>
             </a:fld>
             <a:endParaRPr lang="de-DE"/>
           </a:p>
@@ -3070,7 +3080,7 @@
           <a:p>
             <a:fld id="{1CF6C793-7B5A-CC48-B778-7ED7ECF0401F}" type="datetimeFigureOut">
               <a:rPr lang="de-DE" smtClean="0"/>
-              <a:t>29.04.25</a:t>
+              <a:t>12.05.25</a:t>
             </a:fld>
             <a:endParaRPr lang="de-DE"/>
           </a:p>
@@ -3358,7 +3368,7 @@
           <a:p>
             <a:fld id="{1CF6C793-7B5A-CC48-B778-7ED7ECF0401F}" type="datetimeFigureOut">
               <a:rPr lang="de-DE" smtClean="0"/>
-              <a:t>29.04.25</a:t>
+              <a:t>12.05.25</a:t>
             </a:fld>
             <a:endParaRPr lang="de-DE"/>
           </a:p>
@@ -3599,7 +3609,7 @@
           <a:p>
             <a:fld id="{1CF6C793-7B5A-CC48-B778-7ED7ECF0401F}" type="datetimeFigureOut">
               <a:rPr lang="de-DE" smtClean="0"/>
-              <a:t>29.04.25</a:t>
+              <a:t>12.05.25</a:t>
             </a:fld>
             <a:endParaRPr lang="de-DE"/>
           </a:p>
@@ -4086,6 +4096,473 @@
 </p:sld>
 </file>
 
+<file path=ppt/slides/slide10.xml><?xml version="1.0" encoding="utf-8"?>
+<p:sld xmlns:a="http://schemas.openxmlformats.org/drawingml/2006/main" xmlns:r="http://schemas.openxmlformats.org/officeDocument/2006/relationships" xmlns:p="http://schemas.openxmlformats.org/presentationml/2006/main">
+  <p:cSld>
+    <p:spTree>
+      <p:nvGrpSpPr>
+        <p:cNvPr id="1" name=""/>
+        <p:cNvGrpSpPr/>
+        <p:nvPr/>
+      </p:nvGrpSpPr>
+      <p:grpSpPr>
+        <a:xfrm>
+          <a:off x="0" y="0"/>
+          <a:ext cx="0" cy="0"/>
+          <a:chOff x="0" y="0"/>
+          <a:chExt cx="0" cy="0"/>
+        </a:xfrm>
+      </p:grpSpPr>
+      <p:sp>
+        <p:nvSpPr>
+          <p:cNvPr id="2" name="Titel 1">
+            <a:extLst>
+              <a:ext uri="{FF2B5EF4-FFF2-40B4-BE49-F238E27FC236}">
+                <a16:creationId xmlns:a16="http://schemas.microsoft.com/office/drawing/2014/main" id="{73739173-9B1D-EFF3-52EA-DFDE00A4646C}"/>
+              </a:ext>
+            </a:extLst>
+          </p:cNvPr>
+          <p:cNvSpPr>
+            <a:spLocks noGrp="1"/>
+          </p:cNvSpPr>
+          <p:nvPr>
+            <p:ph type="title"/>
+          </p:nvPr>
+        </p:nvSpPr>
+        <p:spPr/>
+        <p:txBody>
+          <a:bodyPr/>
+          <a:lstStyle/>
+          <a:p>
+            <a:r>
+              <a:rPr lang="de-DE" dirty="0" err="1"/>
+              <a:t>OneOf.Types</a:t>
+            </a:r>
+            <a:r>
+              <a:rPr lang="de-DE" dirty="0"/>
+              <a:t>-Namespace</a:t>
+            </a:r>
+          </a:p>
+        </p:txBody>
+      </p:sp>
+      <p:sp>
+        <p:nvSpPr>
+          <p:cNvPr id="3" name="Inhaltsplatzhalter 2">
+            <a:extLst>
+              <a:ext uri="{FF2B5EF4-FFF2-40B4-BE49-F238E27FC236}">
+                <a16:creationId xmlns:a16="http://schemas.microsoft.com/office/drawing/2014/main" id="{79BE1144-9C85-FA17-7BF0-19E52CC50403}"/>
+              </a:ext>
+            </a:extLst>
+          </p:cNvPr>
+          <p:cNvSpPr>
+            <a:spLocks noGrp="1"/>
+          </p:cNvSpPr>
+          <p:nvPr>
+            <p:ph idx="1"/>
+          </p:nvPr>
+        </p:nvSpPr>
+        <p:spPr/>
+        <p:txBody>
+          <a:bodyPr/>
+          <a:lstStyle/>
+          <a:p>
+            <a:r>
+              <a:rPr lang="de-DE" dirty="0"/>
+              <a:t>Im Namespace </a:t>
+            </a:r>
+            <a:r>
+              <a:rPr lang="de-DE" dirty="0" err="1"/>
+              <a:t>OneOf.Types</a:t>
+            </a:r>
+            <a:r>
+              <a:rPr lang="de-DE" dirty="0"/>
+              <a:t> sind auch verschiedene Helfer-Typen  enthalten:</a:t>
+            </a:r>
+          </a:p>
+          <a:p>
+            <a:pPr lvl="1"/>
+            <a:r>
+              <a:rPr lang="de-DE" dirty="0"/>
+              <a:t>Yes</a:t>
+            </a:r>
+          </a:p>
+          <a:p>
+            <a:pPr lvl="1"/>
+            <a:r>
+              <a:rPr lang="de-DE" dirty="0" err="1"/>
+              <a:t>No</a:t>
+            </a:r>
+            <a:endParaRPr lang="de-DE" dirty="0"/>
+          </a:p>
+          <a:p>
+            <a:pPr lvl="1"/>
+            <a:r>
+              <a:rPr lang="de-DE" dirty="0" err="1"/>
+              <a:t>Success</a:t>
+            </a:r>
+            <a:endParaRPr lang="de-DE" dirty="0"/>
+          </a:p>
+          <a:p>
+            <a:pPr lvl="1"/>
+            <a:r>
+              <a:rPr lang="de-DE" dirty="0"/>
+              <a:t>…</a:t>
+            </a:r>
+          </a:p>
+          <a:p>
+            <a:pPr lvl="1"/>
+            <a:endParaRPr lang="de-DE" dirty="0"/>
+          </a:p>
+          <a:p>
+            <a:r>
+              <a:rPr lang="de-DE" dirty="0"/>
+              <a:t>Rückgabe der Typen</a:t>
+            </a:r>
+          </a:p>
+          <a:p>
+            <a:pPr lvl="1"/>
+            <a:r>
+              <a:rPr lang="de-DE" dirty="0" err="1"/>
+              <a:t>return</a:t>
+            </a:r>
+            <a:r>
+              <a:rPr lang="de-DE" dirty="0"/>
+              <a:t> </a:t>
+            </a:r>
+            <a:r>
+              <a:rPr lang="de-DE" dirty="0" err="1"/>
+              <a:t>new</a:t>
+            </a:r>
+            <a:r>
+              <a:rPr lang="de-DE" dirty="0"/>
+              <a:t> </a:t>
+            </a:r>
+            <a:r>
+              <a:rPr lang="de-DE" dirty="0" err="1"/>
+              <a:t>Success</a:t>
+            </a:r>
+            <a:r>
+              <a:rPr lang="de-DE" dirty="0"/>
+              <a:t>();</a:t>
+            </a:r>
+          </a:p>
+        </p:txBody>
+      </p:sp>
+    </p:spTree>
+    <p:extLst>
+      <p:ext uri="{BB962C8B-B14F-4D97-AF65-F5344CB8AC3E}">
+        <p14:creationId xmlns:p14="http://schemas.microsoft.com/office/powerpoint/2010/main" val="2686639222"/>
+      </p:ext>
+    </p:extLst>
+  </p:cSld>
+  <p:clrMapOvr>
+    <a:masterClrMapping/>
+  </p:clrMapOvr>
+</p:sld>
+</file>
+
+<file path=ppt/slides/slide11.xml><?xml version="1.0" encoding="utf-8"?>
+<p:sld xmlns:a="http://schemas.openxmlformats.org/drawingml/2006/main" xmlns:r="http://schemas.openxmlformats.org/officeDocument/2006/relationships" xmlns:p="http://schemas.openxmlformats.org/presentationml/2006/main">
+  <p:cSld>
+    <p:spTree>
+      <p:nvGrpSpPr>
+        <p:cNvPr id="1" name=""/>
+        <p:cNvGrpSpPr/>
+        <p:nvPr/>
+      </p:nvGrpSpPr>
+      <p:grpSpPr>
+        <a:xfrm>
+          <a:off x="0" y="0"/>
+          <a:ext cx="0" cy="0"/>
+          <a:chOff x="0" y="0"/>
+          <a:chExt cx="0" cy="0"/>
+        </a:xfrm>
+      </p:grpSpPr>
+      <p:sp>
+        <p:nvSpPr>
+          <p:cNvPr id="2" name="Titel 1">
+            <a:extLst>
+              <a:ext uri="{FF2B5EF4-FFF2-40B4-BE49-F238E27FC236}">
+                <a16:creationId xmlns:a16="http://schemas.microsoft.com/office/drawing/2014/main" id="{85A2983C-C276-9548-4626-D4B530B3E5AE}"/>
+              </a:ext>
+            </a:extLst>
+          </p:cNvPr>
+          <p:cNvSpPr>
+            <a:spLocks noGrp="1"/>
+          </p:cNvSpPr>
+          <p:nvPr>
+            <p:ph type="title"/>
+          </p:nvPr>
+        </p:nvSpPr>
+        <p:spPr/>
+        <p:txBody>
+          <a:bodyPr/>
+          <a:lstStyle/>
+          <a:p>
+            <a:r>
+              <a:rPr lang="de-DE" dirty="0"/>
+              <a:t>Nutzung von </a:t>
+            </a:r>
+            <a:r>
+              <a:rPr lang="de-DE" dirty="0" err="1"/>
+              <a:t>OneOf</a:t>
+            </a:r>
+            <a:r>
+              <a:rPr lang="de-DE" dirty="0"/>
+              <a:t> bei </a:t>
+            </a:r>
+            <a:r>
+              <a:rPr lang="de-DE" dirty="0" err="1"/>
+              <a:t>Traperto</a:t>
+            </a:r>
+            <a:endParaRPr lang="de-DE" dirty="0"/>
+          </a:p>
+        </p:txBody>
+      </p:sp>
+      <p:sp>
+        <p:nvSpPr>
+          <p:cNvPr id="3" name="Inhaltsplatzhalter 2">
+            <a:extLst>
+              <a:ext uri="{FF2B5EF4-FFF2-40B4-BE49-F238E27FC236}">
+                <a16:creationId xmlns:a16="http://schemas.microsoft.com/office/drawing/2014/main" id="{1EFC76F0-15C9-D208-996D-9C6427753C13}"/>
+              </a:ext>
+            </a:extLst>
+          </p:cNvPr>
+          <p:cNvSpPr>
+            <a:spLocks noGrp="1"/>
+          </p:cNvSpPr>
+          <p:nvPr>
+            <p:ph idx="1"/>
+          </p:nvPr>
+        </p:nvSpPr>
+        <p:spPr/>
+        <p:txBody>
+          <a:bodyPr/>
+          <a:lstStyle/>
+          <a:p>
+            <a:r>
+              <a:rPr lang="de-DE" dirty="0"/>
+              <a:t>Wird bereits an einigen Stellen genutzt</a:t>
+            </a:r>
+          </a:p>
+          <a:p>
+            <a:pPr lvl="1"/>
+            <a:r>
+              <a:rPr lang="de-DE" dirty="0" err="1"/>
+              <a:t>Traperto.SCIM</a:t>
+            </a:r>
+            <a:endParaRPr lang="de-DE" dirty="0"/>
+          </a:p>
+          <a:p>
+            <a:pPr lvl="2"/>
+            <a:endParaRPr lang="de-DE" dirty="0"/>
+          </a:p>
+        </p:txBody>
+      </p:sp>
+    </p:spTree>
+    <p:extLst>
+      <p:ext uri="{BB962C8B-B14F-4D97-AF65-F5344CB8AC3E}">
+        <p14:creationId xmlns:p14="http://schemas.microsoft.com/office/powerpoint/2010/main" val="794370282"/>
+      </p:ext>
+    </p:extLst>
+  </p:cSld>
+  <p:clrMapOvr>
+    <a:masterClrMapping/>
+  </p:clrMapOvr>
+</p:sld>
+</file>
+
+<file path=ppt/slides/slide12.xml><?xml version="1.0" encoding="utf-8"?>
+<p:sld xmlns:a="http://schemas.openxmlformats.org/drawingml/2006/main" xmlns:r="http://schemas.openxmlformats.org/officeDocument/2006/relationships" xmlns:p="http://schemas.openxmlformats.org/presentationml/2006/main">
+  <p:cSld>
+    <p:spTree>
+      <p:nvGrpSpPr>
+        <p:cNvPr id="1" name=""/>
+        <p:cNvGrpSpPr/>
+        <p:nvPr/>
+      </p:nvGrpSpPr>
+      <p:grpSpPr>
+        <a:xfrm>
+          <a:off x="0" y="0"/>
+          <a:ext cx="0" cy="0"/>
+          <a:chOff x="0" y="0"/>
+          <a:chExt cx="0" cy="0"/>
+        </a:xfrm>
+      </p:grpSpPr>
+      <p:sp>
+        <p:nvSpPr>
+          <p:cNvPr id="2" name="Titel 1">
+            <a:extLst>
+              <a:ext uri="{FF2B5EF4-FFF2-40B4-BE49-F238E27FC236}">
+                <a16:creationId xmlns:a16="http://schemas.microsoft.com/office/drawing/2014/main" id="{9ECA004B-8AC6-1E20-76E0-FFF9949AFD13}"/>
+              </a:ext>
+            </a:extLst>
+          </p:cNvPr>
+          <p:cNvSpPr>
+            <a:spLocks noGrp="1"/>
+          </p:cNvSpPr>
+          <p:nvPr>
+            <p:ph type="title"/>
+          </p:nvPr>
+        </p:nvSpPr>
+        <p:spPr/>
+        <p:txBody>
+          <a:bodyPr/>
+          <a:lstStyle/>
+          <a:p>
+            <a:r>
+              <a:rPr lang="de-DE" dirty="0"/>
+              <a:t>Zusammenfassung</a:t>
+            </a:r>
+          </a:p>
+        </p:txBody>
+      </p:sp>
+      <p:sp>
+        <p:nvSpPr>
+          <p:cNvPr id="3" name="Inhaltsplatzhalter 2">
+            <a:extLst>
+              <a:ext uri="{FF2B5EF4-FFF2-40B4-BE49-F238E27FC236}">
+                <a16:creationId xmlns:a16="http://schemas.microsoft.com/office/drawing/2014/main" id="{29AC1181-6D30-A1B9-E7EB-F47867AFCC3B}"/>
+              </a:ext>
+            </a:extLst>
+          </p:cNvPr>
+          <p:cNvSpPr>
+            <a:spLocks noGrp="1"/>
+          </p:cNvSpPr>
+          <p:nvPr>
+            <p:ph idx="1"/>
+          </p:nvPr>
+        </p:nvSpPr>
+        <p:spPr/>
+        <p:txBody>
+          <a:bodyPr/>
+          <a:lstStyle/>
+          <a:p>
+            <a:endParaRPr lang="de-DE" dirty="0"/>
+          </a:p>
+        </p:txBody>
+      </p:sp>
+    </p:spTree>
+    <p:extLst>
+      <p:ext uri="{BB962C8B-B14F-4D97-AF65-F5344CB8AC3E}">
+        <p14:creationId xmlns:p14="http://schemas.microsoft.com/office/powerpoint/2010/main" val="2924661297"/>
+      </p:ext>
+    </p:extLst>
+  </p:cSld>
+  <p:clrMapOvr>
+    <a:masterClrMapping/>
+  </p:clrMapOvr>
+</p:sld>
+</file>
+
+<file path=ppt/slides/slide13.xml><?xml version="1.0" encoding="utf-8"?>
+<p:sld xmlns:a="http://schemas.openxmlformats.org/drawingml/2006/main" xmlns:r="http://schemas.openxmlformats.org/officeDocument/2006/relationships" xmlns:p="http://schemas.openxmlformats.org/presentationml/2006/main">
+  <p:cSld>
+    <p:spTree>
+      <p:nvGrpSpPr>
+        <p:cNvPr id="1" name=""/>
+        <p:cNvGrpSpPr/>
+        <p:nvPr/>
+      </p:nvGrpSpPr>
+      <p:grpSpPr>
+        <a:xfrm>
+          <a:off x="0" y="0"/>
+          <a:ext cx="0" cy="0"/>
+          <a:chOff x="0" y="0"/>
+          <a:chExt cx="0" cy="0"/>
+        </a:xfrm>
+      </p:grpSpPr>
+      <p:sp>
+        <p:nvSpPr>
+          <p:cNvPr id="2" name="Titel 1">
+            <a:extLst>
+              <a:ext uri="{FF2B5EF4-FFF2-40B4-BE49-F238E27FC236}">
+                <a16:creationId xmlns:a16="http://schemas.microsoft.com/office/drawing/2014/main" id="{E34FE6D2-A8F2-6844-C594-49E88D68A279}"/>
+              </a:ext>
+            </a:extLst>
+          </p:cNvPr>
+          <p:cNvSpPr>
+            <a:spLocks noGrp="1"/>
+          </p:cNvSpPr>
+          <p:nvPr>
+            <p:ph type="title"/>
+          </p:nvPr>
+        </p:nvSpPr>
+        <p:spPr/>
+        <p:txBody>
+          <a:bodyPr/>
+          <a:lstStyle/>
+          <a:p>
+            <a:r>
+              <a:rPr lang="de-DE" dirty="0"/>
+              <a:t>Quellen</a:t>
+            </a:r>
+          </a:p>
+        </p:txBody>
+      </p:sp>
+      <p:sp>
+        <p:nvSpPr>
+          <p:cNvPr id="3" name="Inhaltsplatzhalter 2">
+            <a:extLst>
+              <a:ext uri="{FF2B5EF4-FFF2-40B4-BE49-F238E27FC236}">
+                <a16:creationId xmlns:a16="http://schemas.microsoft.com/office/drawing/2014/main" id="{5B54DE22-D45A-58BA-82EF-8E7FF2F1C6BE}"/>
+              </a:ext>
+            </a:extLst>
+          </p:cNvPr>
+          <p:cNvSpPr>
+            <a:spLocks noGrp="1"/>
+          </p:cNvSpPr>
+          <p:nvPr>
+            <p:ph idx="1"/>
+          </p:nvPr>
+        </p:nvSpPr>
+        <p:spPr/>
+        <p:txBody>
+          <a:bodyPr/>
+          <a:lstStyle/>
+          <a:p>
+            <a:r>
+              <a:rPr lang="de-DE" dirty="0" err="1"/>
+              <a:t>OneOf</a:t>
+            </a:r>
+            <a:r>
+              <a:rPr lang="de-DE" dirty="0"/>
+              <a:t>-</a:t>
+            </a:r>
+            <a:r>
+              <a:rPr lang="de-DE" dirty="0" err="1"/>
+              <a:t>Github</a:t>
+            </a:r>
+            <a:r>
+              <a:rPr lang="de-DE" dirty="0"/>
+              <a:t>-Repo: </a:t>
+            </a:r>
+            <a:r>
+              <a:rPr lang="de-DE" dirty="0">
+                <a:hlinkClick r:id="rId2"/>
+              </a:rPr>
+              <a:t>https://github.com/mcintyre321/OneOf</a:t>
+            </a:r>
+            <a:r>
+              <a:rPr lang="de-DE" dirty="0"/>
+              <a:t> </a:t>
+            </a:r>
+          </a:p>
+        </p:txBody>
+      </p:sp>
+    </p:spTree>
+    <p:extLst>
+      <p:ext uri="{BB962C8B-B14F-4D97-AF65-F5344CB8AC3E}">
+        <p14:creationId xmlns:p14="http://schemas.microsoft.com/office/powerpoint/2010/main" val="4005186530"/>
+      </p:ext>
+    </p:extLst>
+  </p:cSld>
+  <p:clrMapOvr>
+    <a:masterClrMapping/>
+  </p:clrMapOvr>
+</p:sld>
+</file>
+
 <file path=ppt/slides/slide2.xml><?xml version="1.0" encoding="utf-8"?>
 <p:sld xmlns:a="http://schemas.openxmlformats.org/drawingml/2006/main" xmlns:r="http://schemas.openxmlformats.org/officeDocument/2006/relationships" xmlns:p="http://schemas.openxmlformats.org/presentationml/2006/main">
   <p:cSld>
@@ -4180,15 +4657,9 @@
               <a:rPr lang="de-DE" dirty="0" err="1"/>
               <a:t>Types</a:t>
             </a:r>
-            <a:r>
-              <a:rPr lang="de-DE" dirty="0"/>
-              <a:t> aus F#</a:t>
-            </a:r>
-          </a:p>
-          <a:p>
-            <a:pPr marL="0" indent="0">
-              <a:buNone/>
-            </a:pPr>
+            <a:endParaRPr lang="de-DE" dirty="0"/>
+          </a:p>
+          <a:p>
             <a:endParaRPr lang="de-DE" dirty="0"/>
           </a:p>
         </p:txBody>
@@ -4277,20 +4748,14 @@
         </p:nvSpPr>
         <p:spPr/>
         <p:txBody>
-          <a:bodyPr/>
+          <a:bodyPr>
+            <a:normAutofit lnSpcReduction="10000"/>
+          </a:bodyPr>
           <a:lstStyle/>
           <a:p>
             <a:r>
               <a:rPr lang="de-DE" dirty="0"/>
-              <a:t>Datentyp, der genau </a:t>
-            </a:r>
-            <a:r>
-              <a:rPr lang="de-DE"/>
-              <a:t>einen Typ einer </a:t>
-            </a:r>
-            <a:r>
-              <a:rPr lang="de-DE" dirty="0"/>
-              <a:t>festgelegten Menge Datentypen enthalten kann</a:t>
+              <a:t>Datentyp, der genau einen Typ einer festgelegten Menge Datentypen enthalten kann</a:t>
             </a:r>
           </a:p>
           <a:p>
@@ -4305,6 +4770,101 @@
             <a:r>
               <a:rPr lang="de-DE" dirty="0"/>
               <a:t>, der den aktuellen Typ speichert.</a:t>
+            </a:r>
+          </a:p>
+          <a:p>
+            <a:endParaRPr lang="de-DE" dirty="0"/>
+          </a:p>
+          <a:p>
+            <a:r>
+              <a:rPr lang="de-DE" dirty="0"/>
+              <a:t>Beispiele aus anderen Sprachen</a:t>
+            </a:r>
+          </a:p>
+          <a:p>
+            <a:pPr lvl="1"/>
+            <a:r>
+              <a:rPr lang="de-DE" dirty="0" err="1"/>
+              <a:t>TypeScript</a:t>
+            </a:r>
+            <a:r>
+              <a:rPr lang="de-DE" dirty="0"/>
+              <a:t> -&gt; type </a:t>
+            </a:r>
+            <a:r>
+              <a:rPr lang="de-DE" dirty="0" err="1"/>
+              <a:t>StringOrNumber</a:t>
+            </a:r>
+            <a:r>
+              <a:rPr lang="de-DE" dirty="0"/>
+              <a:t> :  </a:t>
+            </a:r>
+            <a:r>
+              <a:rPr lang="de-DE" dirty="0" err="1"/>
+              <a:t>string</a:t>
+            </a:r>
+            <a:r>
+              <a:rPr lang="de-DE" dirty="0"/>
+              <a:t> | </a:t>
+            </a:r>
+            <a:r>
+              <a:rPr lang="de-DE" dirty="0" err="1"/>
+              <a:t>number</a:t>
+            </a:r>
+            <a:endParaRPr lang="de-DE" dirty="0"/>
+          </a:p>
+          <a:p>
+            <a:pPr lvl="1"/>
+            <a:r>
+              <a:rPr lang="de-DE" dirty="0"/>
+              <a:t>Rust -&gt; </a:t>
+            </a:r>
+            <a:r>
+              <a:rPr lang="de-DE" dirty="0" err="1"/>
+              <a:t>enum</a:t>
+            </a:r>
+            <a:r>
+              <a:rPr lang="de-DE" dirty="0"/>
+              <a:t> </a:t>
+            </a:r>
+            <a:r>
+              <a:rPr lang="de-DE" dirty="0" err="1"/>
+              <a:t>StringOrNumber</a:t>
+            </a:r>
+            <a:r>
+              <a:rPr lang="de-DE" dirty="0"/>
+              <a:t> {</a:t>
+            </a:r>
+          </a:p>
+          <a:p>
+            <a:pPr marL="457200" lvl="1" indent="0">
+              <a:buNone/>
+            </a:pPr>
+            <a:r>
+              <a:rPr lang="de-DE" dirty="0" err="1"/>
+              <a:t>Str</a:t>
+            </a:r>
+            <a:r>
+              <a:rPr lang="de-DE" dirty="0"/>
+              <a:t>(String)</a:t>
+            </a:r>
+          </a:p>
+          <a:p>
+            <a:pPr marL="457200" lvl="1" indent="0">
+              <a:buNone/>
+            </a:pPr>
+            <a:r>
+              <a:rPr lang="de-DE" dirty="0"/>
+              <a:t>Num(i32)</a:t>
+            </a:r>
+          </a:p>
+          <a:p>
+            <a:pPr marL="457200" lvl="1" indent="0">
+              <a:buNone/>
+            </a:pPr>
+            <a:r>
+              <a:rPr lang="de-DE" dirty="0"/>
+              <a:t>}</a:t>
             </a:r>
           </a:p>
         </p:txBody>
@@ -4362,7 +4922,7 @@
           <a:p>
             <a:r>
               <a:rPr lang="de-DE" dirty="0"/>
-              <a:t>Wozu </a:t>
+              <a:t>Warum </a:t>
             </a:r>
             <a:r>
               <a:rPr lang="de-DE" dirty="0" err="1"/>
@@ -4396,7 +4956,54 @@
           <a:bodyPr/>
           <a:lstStyle/>
           <a:p>
-            <a:endParaRPr lang="de-DE" dirty="0"/>
+            <a:r>
+              <a:rPr lang="de-DE" dirty="0"/>
+              <a:t>Ermöglicht stark typisierte Methoden-Signaturen</a:t>
+            </a:r>
+          </a:p>
+          <a:p>
+            <a:r>
+              <a:rPr lang="de-DE" dirty="0"/>
+              <a:t>weniger Methodenüberladungen möglich</a:t>
+            </a:r>
+          </a:p>
+          <a:p>
+            <a:r>
+              <a:rPr lang="de-DE" dirty="0"/>
+              <a:t>Antipattern “</a:t>
+            </a:r>
+            <a:r>
+              <a:rPr lang="de-DE" dirty="0" err="1"/>
+              <a:t>Exceptions</a:t>
+            </a:r>
+            <a:r>
+              <a:rPr lang="de-DE" dirty="0"/>
+              <a:t> </a:t>
+            </a:r>
+            <a:r>
+              <a:rPr lang="de-DE" dirty="0" err="1"/>
+              <a:t>for</a:t>
+            </a:r>
+            <a:r>
+              <a:rPr lang="de-DE" dirty="0"/>
+              <a:t> </a:t>
+            </a:r>
+            <a:r>
+              <a:rPr lang="de-DE" dirty="0" err="1"/>
+              <a:t>control</a:t>
+            </a:r>
+            <a:r>
+              <a:rPr lang="de-DE" dirty="0"/>
+              <a:t> </a:t>
+            </a:r>
+            <a:r>
+              <a:rPr lang="de-DE" dirty="0" err="1"/>
+              <a:t>flow</a:t>
+            </a:r>
+            <a:r>
+              <a:rPr lang="de-DE" dirty="0"/>
+              <a:t>“ kann vermieden werden</a:t>
+            </a:r>
           </a:p>
         </p:txBody>
       </p:sp>
@@ -4435,7 +5042,7 @@
           <p:cNvPr id="2" name="Titel 1">
             <a:extLst>
               <a:ext uri="{FF2B5EF4-FFF2-40B4-BE49-F238E27FC236}">
-                <a16:creationId xmlns:a16="http://schemas.microsoft.com/office/drawing/2014/main" id="{ECC9D684-543C-54D0-390A-47B7DFC0CCD7}"/>
+                <a16:creationId xmlns:a16="http://schemas.microsoft.com/office/drawing/2014/main" id="{91AB0E6F-44B6-95FE-E228-2D831F777E8D}"/>
               </a:ext>
             </a:extLst>
           </p:cNvPr>
@@ -4463,7 +5070,7 @@
           <p:cNvPr id="3" name="Inhaltsplatzhalter 2">
             <a:extLst>
               <a:ext uri="{FF2B5EF4-FFF2-40B4-BE49-F238E27FC236}">
-                <a16:creationId xmlns:a16="http://schemas.microsoft.com/office/drawing/2014/main" id="{26ECB3A7-F180-0997-11BD-157E32D63F2D}"/>
+                <a16:creationId xmlns:a16="http://schemas.microsoft.com/office/drawing/2014/main" id="{03EEAD4C-AA79-4912-4F96-74EA7E91F7E7}"/>
               </a:ext>
             </a:extLst>
           </p:cNvPr>
@@ -4486,7 +5093,7 @@
     </p:spTree>
     <p:extLst>
       <p:ext uri="{BB962C8B-B14F-4D97-AF65-F5344CB8AC3E}">
-        <p14:creationId xmlns:p14="http://schemas.microsoft.com/office/powerpoint/2010/main" val="3698865813"/>
+        <p14:creationId xmlns:p14="http://schemas.microsoft.com/office/powerpoint/2010/main" val="3778761127"/>
       </p:ext>
     </p:extLst>
   </p:cSld>
@@ -4518,7 +5125,7 @@
           <p:cNvPr id="2" name="Titel 1">
             <a:extLst>
               <a:ext uri="{FF2B5EF4-FFF2-40B4-BE49-F238E27FC236}">
-                <a16:creationId xmlns:a16="http://schemas.microsoft.com/office/drawing/2014/main" id="{73739173-9B1D-EFF3-52EA-DFDE00A4646C}"/>
+                <a16:creationId xmlns:a16="http://schemas.microsoft.com/office/drawing/2014/main" id="{ECC9D684-543C-54D0-390A-47B7DFC0CCD7}"/>
               </a:ext>
             </a:extLst>
           </p:cNvPr>
@@ -4535,120 +5142,41 @@
           <a:lstStyle/>
           <a:p>
             <a:r>
-              <a:rPr lang="de-DE" dirty="0" err="1"/>
-              <a:t>OneOf.Types</a:t>
-            </a:r>
+              <a:rPr lang="de-DE" dirty="0"/>
+              <a:t>.Match()</a:t>
+            </a:r>
+          </a:p>
+        </p:txBody>
+      </p:sp>
+      <p:sp>
+        <p:nvSpPr>
+          <p:cNvPr id="3" name="Inhaltsplatzhalter 2">
+            <a:extLst>
+              <a:ext uri="{FF2B5EF4-FFF2-40B4-BE49-F238E27FC236}">
+                <a16:creationId xmlns:a16="http://schemas.microsoft.com/office/drawing/2014/main" id="{26ECB3A7-F180-0997-11BD-157E32D63F2D}"/>
+              </a:ext>
+            </a:extLst>
+          </p:cNvPr>
+          <p:cNvSpPr>
+            <a:spLocks noGrp="1"/>
+          </p:cNvSpPr>
+          <p:nvPr>
+            <p:ph idx="1"/>
+          </p:nvPr>
+        </p:nvSpPr>
+        <p:spPr/>
+        <p:txBody>
+          <a:bodyPr/>
+          <a:lstStyle/>
+          <a:p>
             <a:endParaRPr lang="de-DE" dirty="0"/>
-          </a:p>
-        </p:txBody>
-      </p:sp>
-      <p:sp>
-        <p:nvSpPr>
-          <p:cNvPr id="3" name="Inhaltsplatzhalter 2">
-            <a:extLst>
-              <a:ext uri="{FF2B5EF4-FFF2-40B4-BE49-F238E27FC236}">
-                <a16:creationId xmlns:a16="http://schemas.microsoft.com/office/drawing/2014/main" id="{79BE1144-9C85-FA17-7BF0-19E52CC50403}"/>
-              </a:ext>
-            </a:extLst>
-          </p:cNvPr>
-          <p:cNvSpPr>
-            <a:spLocks noGrp="1"/>
-          </p:cNvSpPr>
-          <p:nvPr>
-            <p:ph idx="1"/>
-          </p:nvPr>
-        </p:nvSpPr>
-        <p:spPr/>
-        <p:txBody>
-          <a:bodyPr/>
-          <a:lstStyle/>
-          <a:p>
-            <a:r>
-              <a:rPr lang="de-DE" dirty="0"/>
-              <a:t>Im Namespace </a:t>
-            </a:r>
-            <a:r>
-              <a:rPr lang="de-DE" dirty="0" err="1"/>
-              <a:t>OneOf.Types</a:t>
-            </a:r>
-            <a:r>
-              <a:rPr lang="de-DE" dirty="0"/>
-              <a:t> sind auch verschiedene Typen-Deklarationen enthalten:</a:t>
-            </a:r>
-          </a:p>
-          <a:p>
-            <a:pPr lvl="1"/>
-            <a:r>
-              <a:rPr lang="de-DE" dirty="0"/>
-              <a:t>Yes</a:t>
-            </a:r>
-          </a:p>
-          <a:p>
-            <a:pPr lvl="1"/>
-            <a:r>
-              <a:rPr lang="de-DE" dirty="0" err="1"/>
-              <a:t>No</a:t>
-            </a:r>
-            <a:endParaRPr lang="de-DE" dirty="0"/>
-          </a:p>
-          <a:p>
-            <a:pPr lvl="1"/>
-            <a:r>
-              <a:rPr lang="de-DE" dirty="0" err="1"/>
-              <a:t>Success</a:t>
-            </a:r>
-            <a:endParaRPr lang="de-DE" dirty="0"/>
-          </a:p>
-          <a:p>
-            <a:pPr lvl="1"/>
-            <a:r>
-              <a:rPr lang="de-DE" dirty="0"/>
-              <a:t>…</a:t>
-            </a:r>
-          </a:p>
-          <a:p>
-            <a:pPr lvl="1"/>
-            <a:endParaRPr lang="de-DE" dirty="0"/>
-          </a:p>
-          <a:p>
-            <a:r>
-              <a:rPr lang="de-DE" dirty="0"/>
-              <a:t>Rückgabe der Typen</a:t>
-            </a:r>
-          </a:p>
-          <a:p>
-            <a:pPr lvl="1"/>
-            <a:r>
-              <a:rPr lang="de-DE" dirty="0" err="1"/>
-              <a:t>return</a:t>
-            </a:r>
-            <a:r>
-              <a:rPr lang="de-DE" dirty="0"/>
-              <a:t> </a:t>
-            </a:r>
-            <a:r>
-              <a:rPr lang="de-DE" dirty="0" err="1"/>
-              <a:t>new</a:t>
-            </a:r>
-            <a:r>
-              <a:rPr lang="de-DE" dirty="0"/>
-              <a:t> </a:t>
-            </a:r>
-            <a:r>
-              <a:rPr lang="de-DE" dirty="0" err="1"/>
-              <a:t>Success</a:t>
-            </a:r>
-            <a:r>
-              <a:rPr lang="de-DE" dirty="0"/>
-              <a:t>();</a:t>
-            </a:r>
           </a:p>
         </p:txBody>
       </p:sp>
     </p:spTree>
     <p:extLst>
       <p:ext uri="{BB962C8B-B14F-4D97-AF65-F5344CB8AC3E}">
-        <p14:creationId xmlns:p14="http://schemas.microsoft.com/office/powerpoint/2010/main" val="2686639222"/>
+        <p14:creationId xmlns:p14="http://schemas.microsoft.com/office/powerpoint/2010/main" val="3698865813"/>
       </p:ext>
     </p:extLst>
   </p:cSld>
@@ -4680,7 +5208,7 @@
           <p:cNvPr id="2" name="Titel 1">
             <a:extLst>
               <a:ext uri="{FF2B5EF4-FFF2-40B4-BE49-F238E27FC236}">
-                <a16:creationId xmlns:a16="http://schemas.microsoft.com/office/drawing/2014/main" id="{85A2983C-C276-9548-4626-D4B530B3E5AE}"/>
+                <a16:creationId xmlns:a16="http://schemas.microsoft.com/office/drawing/2014/main" id="{E58A32B0-B1E5-E791-8800-B8442A70FB09}"/>
               </a:ext>
             </a:extLst>
           </p:cNvPr>
@@ -4698,53 +5226,43 @@
           <a:p>
             <a:r>
               <a:rPr lang="de-DE" dirty="0"/>
-              <a:t>Nutzung von </a:t>
-            </a:r>
-            <a:r>
-              <a:rPr lang="de-DE" dirty="0" err="1"/>
-              <a:t>OneOf</a:t>
-            </a:r>
+              <a:t>.Switch()</a:t>
+            </a:r>
+          </a:p>
+        </p:txBody>
+      </p:sp>
+      <p:sp>
+        <p:nvSpPr>
+          <p:cNvPr id="3" name="Inhaltsplatzhalter 2">
+            <a:extLst>
+              <a:ext uri="{FF2B5EF4-FFF2-40B4-BE49-F238E27FC236}">
+                <a16:creationId xmlns:a16="http://schemas.microsoft.com/office/drawing/2014/main" id="{4D07CA68-3634-9436-4371-4608A0ADCA2D}"/>
+              </a:ext>
+            </a:extLst>
+          </p:cNvPr>
+          <p:cNvSpPr>
+            <a:spLocks noGrp="1"/>
+          </p:cNvSpPr>
+          <p:nvPr>
+            <p:ph idx="1"/>
+          </p:nvPr>
+        </p:nvSpPr>
+        <p:spPr/>
+        <p:txBody>
+          <a:bodyPr/>
+          <a:lstStyle/>
+          <a:p>
             <a:r>
               <a:rPr lang="de-DE" dirty="0"/>
-              <a:t> bei </a:t>
-            </a:r>
-            <a:r>
-              <a:rPr lang="de-DE" dirty="0" err="1"/>
-              <a:t>Traperto</a:t>
-            </a:r>
-            <a:endParaRPr lang="de-DE" dirty="0"/>
-          </a:p>
-        </p:txBody>
-      </p:sp>
-      <p:sp>
-        <p:nvSpPr>
-          <p:cNvPr id="3" name="Inhaltsplatzhalter 2">
-            <a:extLst>
-              <a:ext uri="{FF2B5EF4-FFF2-40B4-BE49-F238E27FC236}">
-                <a16:creationId xmlns:a16="http://schemas.microsoft.com/office/drawing/2014/main" id="{1EFC76F0-15C9-D208-996D-9C6427753C13}"/>
-              </a:ext>
-            </a:extLst>
-          </p:cNvPr>
-          <p:cNvSpPr>
-            <a:spLocks noGrp="1"/>
-          </p:cNvSpPr>
-          <p:nvPr>
-            <p:ph idx="1"/>
-          </p:nvPr>
-        </p:nvSpPr>
-        <p:spPr/>
-        <p:txBody>
-          <a:bodyPr/>
-          <a:lstStyle/>
-          <a:p>
-            <a:endParaRPr lang="de-DE" dirty="0"/>
+              <a:t>Ähnlich wie Match, nur ohne Rückgabetyp</a:t>
+            </a:r>
           </a:p>
         </p:txBody>
       </p:sp>
     </p:spTree>
     <p:extLst>
       <p:ext uri="{BB962C8B-B14F-4D97-AF65-F5344CB8AC3E}">
-        <p14:creationId xmlns:p14="http://schemas.microsoft.com/office/powerpoint/2010/main" val="794370282"/>
+        <p14:creationId xmlns:p14="http://schemas.microsoft.com/office/powerpoint/2010/main" val="3777822959"/>
       </p:ext>
     </p:extLst>
   </p:cSld>
@@ -4776,7 +5294,7 @@
           <p:cNvPr id="2" name="Titel 1">
             <a:extLst>
               <a:ext uri="{FF2B5EF4-FFF2-40B4-BE49-F238E27FC236}">
-                <a16:creationId xmlns:a16="http://schemas.microsoft.com/office/drawing/2014/main" id="{9ECA004B-8AC6-1E20-76E0-FFF9949AFD13}"/>
+                <a16:creationId xmlns:a16="http://schemas.microsoft.com/office/drawing/2014/main" id="{40222ECC-69B3-9737-168F-95651AC1B885}"/>
               </a:ext>
             </a:extLst>
           </p:cNvPr>
@@ -4794,7 +5312,15 @@
           <a:p>
             <a:r>
               <a:rPr lang="de-DE" dirty="0"/>
-              <a:t>Zusammenfassung</a:t>
+              <a:t>.</a:t>
+            </a:r>
+            <a:r>
+              <a:rPr lang="de-DE" dirty="0" err="1"/>
+              <a:t>TryPickX</a:t>
+            </a:r>
+            <a:r>
+              <a:rPr lang="de-DE" dirty="0"/>
+              <a:t>()</a:t>
             </a:r>
           </a:p>
         </p:txBody>
@@ -4804,7 +5330,7 @@
           <p:cNvPr id="3" name="Inhaltsplatzhalter 2">
             <a:extLst>
               <a:ext uri="{FF2B5EF4-FFF2-40B4-BE49-F238E27FC236}">
-                <a16:creationId xmlns:a16="http://schemas.microsoft.com/office/drawing/2014/main" id="{29AC1181-6D30-A1B9-E7EB-F47867AFCC3B}"/>
+                <a16:creationId xmlns:a16="http://schemas.microsoft.com/office/drawing/2014/main" id="{0D256722-D8C4-2E9F-2376-4FEE64902700}"/>
               </a:ext>
             </a:extLst>
           </p:cNvPr>
@@ -4820,14 +5346,142 @@
           <a:bodyPr/>
           <a:lstStyle/>
           <a:p>
-            <a:endParaRPr lang="de-DE" dirty="0"/>
+            <a:r>
+              <a:rPr lang="de-DE" dirty="0"/>
+              <a:t>Alternative von .Match() oder .Switch()</a:t>
+            </a:r>
+          </a:p>
+          <a:p>
+            <a:r>
+              <a:rPr lang="de-DE" dirty="0"/>
+              <a:t>Gibt ein Boolean zurück, ob Variable den Typ </a:t>
+            </a:r>
+            <a:r>
+              <a:rPr lang="de-DE" dirty="0" err="1"/>
+              <a:t>Tx</a:t>
+            </a:r>
+            <a:r>
+              <a:rPr lang="de-DE" dirty="0"/>
+              <a:t> enthält oder nicht.</a:t>
+            </a:r>
           </a:p>
         </p:txBody>
       </p:sp>
     </p:spTree>
     <p:extLst>
       <p:ext uri="{BB962C8B-B14F-4D97-AF65-F5344CB8AC3E}">
-        <p14:creationId xmlns:p14="http://schemas.microsoft.com/office/powerpoint/2010/main" val="2924661297"/>
+        <p14:creationId xmlns:p14="http://schemas.microsoft.com/office/powerpoint/2010/main" val="395181738"/>
+      </p:ext>
+    </p:extLst>
+  </p:cSld>
+  <p:clrMapOvr>
+    <a:masterClrMapping/>
+  </p:clrMapOvr>
+</p:sld>
+</file>
+
+<file path=ppt/slides/slide9.xml><?xml version="1.0" encoding="utf-8"?>
+<p:sld xmlns:a="http://schemas.openxmlformats.org/drawingml/2006/main" xmlns:r="http://schemas.openxmlformats.org/officeDocument/2006/relationships" xmlns:p="http://schemas.openxmlformats.org/presentationml/2006/main">
+  <p:cSld>
+    <p:spTree>
+      <p:nvGrpSpPr>
+        <p:cNvPr id="1" name=""/>
+        <p:cNvGrpSpPr/>
+        <p:nvPr/>
+      </p:nvGrpSpPr>
+      <p:grpSpPr>
+        <a:xfrm>
+          <a:off x="0" y="0"/>
+          <a:ext cx="0" cy="0"/>
+          <a:chOff x="0" y="0"/>
+          <a:chExt cx="0" cy="0"/>
+        </a:xfrm>
+      </p:grpSpPr>
+      <p:sp>
+        <p:nvSpPr>
+          <p:cNvPr id="2" name="Titel 1">
+            <a:extLst>
+              <a:ext uri="{FF2B5EF4-FFF2-40B4-BE49-F238E27FC236}">
+                <a16:creationId xmlns:a16="http://schemas.microsoft.com/office/drawing/2014/main" id="{D72E0C56-EC33-EA24-0036-B076B503F35B}"/>
+              </a:ext>
+            </a:extLst>
+          </p:cNvPr>
+          <p:cNvSpPr>
+            <a:spLocks noGrp="1"/>
+          </p:cNvSpPr>
+          <p:nvPr>
+            <p:ph type="title"/>
+          </p:nvPr>
+        </p:nvSpPr>
+        <p:spPr/>
+        <p:txBody>
+          <a:bodyPr/>
+          <a:lstStyle/>
+          <a:p>
+            <a:r>
+              <a:rPr lang="de-DE" dirty="0" err="1"/>
+              <a:t>OneOfBase</a:t>
+            </a:r>
+            <a:endParaRPr lang="de-DE" dirty="0"/>
+          </a:p>
+        </p:txBody>
+      </p:sp>
+      <p:sp>
+        <p:nvSpPr>
+          <p:cNvPr id="3" name="Inhaltsplatzhalter 2">
+            <a:extLst>
+              <a:ext uri="{FF2B5EF4-FFF2-40B4-BE49-F238E27FC236}">
+                <a16:creationId xmlns:a16="http://schemas.microsoft.com/office/drawing/2014/main" id="{CCB9DC77-C081-A4B0-1247-DFEBE1052665}"/>
+              </a:ext>
+            </a:extLst>
+          </p:cNvPr>
+          <p:cNvSpPr>
+            <a:spLocks noGrp="1"/>
+          </p:cNvSpPr>
+          <p:nvPr>
+            <p:ph idx="1"/>
+          </p:nvPr>
+        </p:nvSpPr>
+        <p:spPr/>
+        <p:txBody>
+          <a:bodyPr/>
+          <a:lstStyle/>
+          <a:p>
+            <a:r>
+              <a:rPr lang="de-DE" dirty="0"/>
+              <a:t>Mit </a:t>
+            </a:r>
+            <a:r>
+              <a:rPr lang="de-DE" dirty="0" err="1"/>
+              <a:t>OneOfBase</a:t>
+            </a:r>
+            <a:r>
+              <a:rPr lang="de-DE" dirty="0"/>
+              <a:t> können wiederverwendbare Custom-</a:t>
+            </a:r>
+            <a:r>
+              <a:rPr lang="de-DE" dirty="0" err="1"/>
+              <a:t>OneOf</a:t>
+            </a:r>
+            <a:r>
+              <a:rPr lang="de-DE" dirty="0"/>
+              <a:t>-</a:t>
+            </a:r>
+            <a:r>
+              <a:rPr lang="de-DE" dirty="0" err="1"/>
+              <a:t>Types</a:t>
+            </a:r>
+            <a:r>
+              <a:rPr lang="de-DE" dirty="0"/>
+              <a:t> erstellt werden</a:t>
+            </a:r>
+          </a:p>
+        </p:txBody>
+      </p:sp>
+    </p:spTree>
+    <p:extLst>
+      <p:ext uri="{BB962C8B-B14F-4D97-AF65-F5344CB8AC3E}">
+        <p14:creationId xmlns:p14="http://schemas.microsoft.com/office/powerpoint/2010/main" val="2439240219"/>
       </p:ext>
     </p:extLst>
   </p:cSld>
